--- a/AprendizadoMaquina/Tópico 02 - Aprendizado Supervisionado/01 - KNN/Tópico 02 - Aprendizado-Supervisionado - KNN.pptx
+++ b/AprendizadoMaquina/Tópico 02 - Aprendizado Supervisionado/01 - KNN/Tópico 02 - Aprendizado-Supervisionado - KNN.pptx
@@ -312,7 +312,7 @@
             <a:pPr algn="r">
               <a:buNone/>
             </a:pPr>
-            <a:fld id="{430459A4-358C-4B93-A88C-38B5179690A0}" type="slidenum">
+            <a:fld id="{7C228AB4-48A1-4AD3-85F0-98628AB6E6EE}" type="slidenum">
               <a:rPr b="0" lang="pt-BR" sz="1400" spc="-1" strike="noStrike">
                 <a:latin typeface="Times New Roman"/>
               </a:rPr>
@@ -360,7 +360,7 @@
         <p:spPr>
           <a:xfrm>
             <a:off x="1376280" y="1336680"/>
-            <a:ext cx="4800600" cy="3600360"/>
+            <a:ext cx="4799880" cy="3599640"/>
           </a:xfrm>
           <a:prstGeom prst="rect">
             <a:avLst/>
@@ -383,7 +383,7 @@
         <p:spPr>
           <a:xfrm>
             <a:off x="756000" y="5145120"/>
-            <a:ext cx="6040800" cy="4203000"/>
+            <a:ext cx="6040080" cy="4202280"/>
           </a:xfrm>
           <a:prstGeom prst="rect">
             <a:avLst/>
@@ -413,7 +413,7 @@
         <p:spPr>
           <a:xfrm>
             <a:off x="0" y="10155240"/>
-            <a:ext cx="3269160" cy="529560"/>
+            <a:ext cx="3268440" cy="528840"/>
           </a:xfrm>
           <a:prstGeom prst="rect">
             <a:avLst/>
@@ -491,7 +491,7 @@
         <p:spPr>
           <a:xfrm>
             <a:off x="1376280" y="1336680"/>
-            <a:ext cx="4794840" cy="3594600"/>
+            <a:ext cx="4794120" cy="3593880"/>
           </a:xfrm>
           <a:prstGeom prst="rect">
             <a:avLst/>
@@ -514,7 +514,7 @@
         <p:spPr>
           <a:xfrm>
             <a:off x="756000" y="5145120"/>
-            <a:ext cx="6034320" cy="4196520"/>
+            <a:ext cx="6033600" cy="4195800"/>
           </a:xfrm>
           <a:prstGeom prst="rect">
             <a:avLst/>
@@ -544,7 +544,7 @@
         <p:spPr>
           <a:xfrm>
             <a:off x="0" y="10155240"/>
-            <a:ext cx="3262680" cy="523080"/>
+            <a:ext cx="3261960" cy="522360"/>
           </a:xfrm>
           <a:prstGeom prst="rect">
             <a:avLst/>
@@ -622,7 +622,7 @@
         <p:spPr>
           <a:xfrm>
             <a:off x="1376280" y="1336680"/>
-            <a:ext cx="4794840" cy="3594600"/>
+            <a:ext cx="4794120" cy="3593880"/>
           </a:xfrm>
           <a:prstGeom prst="rect">
             <a:avLst/>
@@ -645,7 +645,7 @@
         <p:spPr>
           <a:xfrm>
             <a:off x="756000" y="5145120"/>
-            <a:ext cx="6034320" cy="4196520"/>
+            <a:ext cx="6033600" cy="4195800"/>
           </a:xfrm>
           <a:prstGeom prst="rect">
             <a:avLst/>
@@ -675,7 +675,7 @@
         <p:spPr>
           <a:xfrm>
             <a:off x="0" y="10155240"/>
-            <a:ext cx="3262680" cy="523080"/>
+            <a:ext cx="3261960" cy="522360"/>
           </a:xfrm>
           <a:prstGeom prst="rect">
             <a:avLst/>
@@ -753,7 +753,7 @@
         <p:spPr>
           <a:xfrm>
             <a:off x="1376280" y="1336680"/>
-            <a:ext cx="4802040" cy="3601800"/>
+            <a:ext cx="4801320" cy="3601080"/>
           </a:xfrm>
           <a:prstGeom prst="rect">
             <a:avLst/>
@@ -776,7 +776,7 @@
         <p:spPr>
           <a:xfrm>
             <a:off x="756000" y="5145120"/>
-            <a:ext cx="6042240" cy="4204440"/>
+            <a:ext cx="6041520" cy="4203720"/>
           </a:xfrm>
           <a:prstGeom prst="rect">
             <a:avLst/>
@@ -806,7 +806,7 @@
         <p:spPr>
           <a:xfrm>
             <a:off x="0" y="10155240"/>
-            <a:ext cx="3270600" cy="531000"/>
+            <a:ext cx="3269880" cy="530280"/>
           </a:xfrm>
           <a:prstGeom prst="rect">
             <a:avLst/>
@@ -884,7 +884,7 @@
         <p:spPr>
           <a:xfrm>
             <a:off x="1376280" y="1336680"/>
-            <a:ext cx="4802040" cy="3601800"/>
+            <a:ext cx="4801320" cy="3601080"/>
           </a:xfrm>
           <a:prstGeom prst="rect">
             <a:avLst/>
@@ -907,7 +907,7 @@
         <p:spPr>
           <a:xfrm>
             <a:off x="756000" y="5145120"/>
-            <a:ext cx="6042240" cy="4204440"/>
+            <a:ext cx="6041520" cy="4203720"/>
           </a:xfrm>
           <a:prstGeom prst="rect">
             <a:avLst/>
@@ -937,7 +937,7 @@
         <p:spPr>
           <a:xfrm>
             <a:off x="0" y="10155240"/>
-            <a:ext cx="3270600" cy="531000"/>
+            <a:ext cx="3269880" cy="530280"/>
           </a:xfrm>
           <a:prstGeom prst="rect">
             <a:avLst/>
@@ -1015,7 +1015,7 @@
         <p:spPr>
           <a:xfrm>
             <a:off x="1376280" y="1336680"/>
-            <a:ext cx="4802040" cy="3601800"/>
+            <a:ext cx="4801320" cy="3601080"/>
           </a:xfrm>
           <a:prstGeom prst="rect">
             <a:avLst/>
@@ -1038,7 +1038,7 @@
         <p:spPr>
           <a:xfrm>
             <a:off x="756000" y="5145120"/>
-            <a:ext cx="6042240" cy="4204440"/>
+            <a:ext cx="6041520" cy="4203720"/>
           </a:xfrm>
           <a:prstGeom prst="rect">
             <a:avLst/>
@@ -1068,7 +1068,7 @@
         <p:spPr>
           <a:xfrm>
             <a:off x="0" y="10155240"/>
-            <a:ext cx="3270600" cy="531000"/>
+            <a:ext cx="3269880" cy="530280"/>
           </a:xfrm>
           <a:prstGeom prst="rect">
             <a:avLst/>
@@ -1146,7 +1146,7 @@
         <p:spPr>
           <a:xfrm>
             <a:off x="1376280" y="1336680"/>
-            <a:ext cx="4802040" cy="3601800"/>
+            <a:ext cx="4801320" cy="3601080"/>
           </a:xfrm>
           <a:prstGeom prst="rect">
             <a:avLst/>
@@ -1169,7 +1169,7 @@
         <p:spPr>
           <a:xfrm>
             <a:off x="756000" y="5145120"/>
-            <a:ext cx="6042240" cy="4204440"/>
+            <a:ext cx="6041520" cy="4203720"/>
           </a:xfrm>
           <a:prstGeom prst="rect">
             <a:avLst/>
@@ -1199,7 +1199,7 @@
         <p:spPr>
           <a:xfrm>
             <a:off x="0" y="10155240"/>
-            <a:ext cx="3270600" cy="531000"/>
+            <a:ext cx="3269880" cy="530280"/>
           </a:xfrm>
           <a:prstGeom prst="rect">
             <a:avLst/>
@@ -1277,7 +1277,7 @@
         <p:spPr>
           <a:xfrm>
             <a:off x="1376280" y="1336680"/>
-            <a:ext cx="4802040" cy="3601800"/>
+            <a:ext cx="4801320" cy="3601080"/>
           </a:xfrm>
           <a:prstGeom prst="rect">
             <a:avLst/>
@@ -1300,7 +1300,7 @@
         <p:spPr>
           <a:xfrm>
             <a:off x="756000" y="5145120"/>
-            <a:ext cx="6042240" cy="4204440"/>
+            <a:ext cx="6041520" cy="4203720"/>
           </a:xfrm>
           <a:prstGeom prst="rect">
             <a:avLst/>
@@ -1330,7 +1330,7 @@
         <p:spPr>
           <a:xfrm>
             <a:off x="0" y="10155240"/>
-            <a:ext cx="3270600" cy="531000"/>
+            <a:ext cx="3269880" cy="530280"/>
           </a:xfrm>
           <a:prstGeom prst="rect">
             <a:avLst/>
@@ -1408,7 +1408,7 @@
         <p:spPr>
           <a:xfrm>
             <a:off x="1376280" y="1336680"/>
-            <a:ext cx="4802040" cy="3601800"/>
+            <a:ext cx="4801320" cy="3601080"/>
           </a:xfrm>
           <a:prstGeom prst="rect">
             <a:avLst/>
@@ -1431,7 +1431,7 @@
         <p:spPr>
           <a:xfrm>
             <a:off x="756000" y="5145120"/>
-            <a:ext cx="6042240" cy="4204440"/>
+            <a:ext cx="6041520" cy="4203720"/>
           </a:xfrm>
           <a:prstGeom prst="rect">
             <a:avLst/>
@@ -1461,7 +1461,7 @@
         <p:spPr>
           <a:xfrm>
             <a:off x="0" y="10155240"/>
-            <a:ext cx="3270600" cy="531000"/>
+            <a:ext cx="3269880" cy="530280"/>
           </a:xfrm>
           <a:prstGeom prst="rect">
             <a:avLst/>
@@ -1539,7 +1539,7 @@
         <p:spPr>
           <a:xfrm>
             <a:off x="1376280" y="1336680"/>
-            <a:ext cx="4800600" cy="3600360"/>
+            <a:ext cx="4799880" cy="3599640"/>
           </a:xfrm>
           <a:prstGeom prst="rect">
             <a:avLst/>
@@ -1562,7 +1562,7 @@
         <p:spPr>
           <a:xfrm>
             <a:off x="756000" y="5145120"/>
-            <a:ext cx="6040800" cy="4203000"/>
+            <a:ext cx="6040080" cy="4202280"/>
           </a:xfrm>
           <a:prstGeom prst="rect">
             <a:avLst/>
@@ -1592,7 +1592,7 @@
         <p:spPr>
           <a:xfrm>
             <a:off x="0" y="10155240"/>
-            <a:ext cx="3269160" cy="529560"/>
+            <a:ext cx="3268440" cy="528840"/>
           </a:xfrm>
           <a:prstGeom prst="rect">
             <a:avLst/>
@@ -1670,7 +1670,7 @@
         <p:spPr>
           <a:xfrm>
             <a:off x="1376280" y="1336680"/>
-            <a:ext cx="4794840" cy="3594600"/>
+            <a:ext cx="4794120" cy="3593880"/>
           </a:xfrm>
           <a:prstGeom prst="rect">
             <a:avLst/>
@@ -1693,7 +1693,7 @@
         <p:spPr>
           <a:xfrm>
             <a:off x="756000" y="5145120"/>
-            <a:ext cx="6034320" cy="4196520"/>
+            <a:ext cx="6033600" cy="4195800"/>
           </a:xfrm>
           <a:prstGeom prst="rect">
             <a:avLst/>
@@ -1723,7 +1723,7 @@
         <p:spPr>
           <a:xfrm>
             <a:off x="0" y="10155240"/>
-            <a:ext cx="3262680" cy="523080"/>
+            <a:ext cx="3261960" cy="522360"/>
           </a:xfrm>
           <a:prstGeom prst="rect">
             <a:avLst/>
@@ -1801,7 +1801,7 @@
         <p:spPr>
           <a:xfrm>
             <a:off x="1376280" y="1336680"/>
-            <a:ext cx="4794840" cy="3594600"/>
+            <a:ext cx="4794120" cy="3593880"/>
           </a:xfrm>
           <a:prstGeom prst="rect">
             <a:avLst/>
@@ -1824,7 +1824,7 @@
         <p:spPr>
           <a:xfrm>
             <a:off x="756000" y="5145120"/>
-            <a:ext cx="6034320" cy="4196520"/>
+            <a:ext cx="6033600" cy="4195800"/>
           </a:xfrm>
           <a:prstGeom prst="rect">
             <a:avLst/>
@@ -1854,7 +1854,7 @@
         <p:spPr>
           <a:xfrm>
             <a:off x="0" y="10155240"/>
-            <a:ext cx="3262680" cy="523080"/>
+            <a:ext cx="3261960" cy="522360"/>
           </a:xfrm>
           <a:prstGeom prst="rect">
             <a:avLst/>
@@ -1932,7 +1932,7 @@
         <p:spPr>
           <a:xfrm>
             <a:off x="1376280" y="1336680"/>
-            <a:ext cx="4794840" cy="3594600"/>
+            <a:ext cx="4794120" cy="3593880"/>
           </a:xfrm>
           <a:prstGeom prst="rect">
             <a:avLst/>
@@ -1955,7 +1955,7 @@
         <p:spPr>
           <a:xfrm>
             <a:off x="756000" y="5145120"/>
-            <a:ext cx="6034320" cy="4196520"/>
+            <a:ext cx="6033600" cy="4195800"/>
           </a:xfrm>
           <a:prstGeom prst="rect">
             <a:avLst/>
@@ -1985,7 +1985,7 @@
         <p:spPr>
           <a:xfrm>
             <a:off x="0" y="10155240"/>
-            <a:ext cx="3262680" cy="523080"/>
+            <a:ext cx="3261960" cy="522360"/>
           </a:xfrm>
           <a:prstGeom prst="rect">
             <a:avLst/>
@@ -2063,7 +2063,7 @@
         <p:spPr>
           <a:xfrm>
             <a:off x="1376280" y="1336680"/>
-            <a:ext cx="4794840" cy="3594600"/>
+            <a:ext cx="4794120" cy="3593880"/>
           </a:xfrm>
           <a:prstGeom prst="rect">
             <a:avLst/>
@@ -2086,7 +2086,7 @@
         <p:spPr>
           <a:xfrm>
             <a:off x="756000" y="5145120"/>
-            <a:ext cx="6034320" cy="4196520"/>
+            <a:ext cx="6033600" cy="4195800"/>
           </a:xfrm>
           <a:prstGeom prst="rect">
             <a:avLst/>
@@ -2116,7 +2116,7 @@
         <p:spPr>
           <a:xfrm>
             <a:off x="0" y="10155240"/>
-            <a:ext cx="3262680" cy="523080"/>
+            <a:ext cx="3261960" cy="522360"/>
           </a:xfrm>
           <a:prstGeom prst="rect">
             <a:avLst/>
@@ -2194,7 +2194,7 @@
         <p:spPr>
           <a:xfrm>
             <a:off x="1376280" y="1336680"/>
-            <a:ext cx="4794840" cy="3594600"/>
+            <a:ext cx="4794120" cy="3593880"/>
           </a:xfrm>
           <a:prstGeom prst="rect">
             <a:avLst/>
@@ -2217,7 +2217,7 @@
         <p:spPr>
           <a:xfrm>
             <a:off x="756000" y="5145120"/>
-            <a:ext cx="6034320" cy="4196520"/>
+            <a:ext cx="6033600" cy="4195800"/>
           </a:xfrm>
           <a:prstGeom prst="rect">
             <a:avLst/>
@@ -2247,7 +2247,7 @@
         <p:spPr>
           <a:xfrm>
             <a:off x="0" y="10155240"/>
-            <a:ext cx="3262680" cy="523080"/>
+            <a:ext cx="3261960" cy="522360"/>
           </a:xfrm>
           <a:prstGeom prst="rect">
             <a:avLst/>
@@ -2325,7 +2325,7 @@
         <p:spPr>
           <a:xfrm>
             <a:off x="1376280" y="1336680"/>
-            <a:ext cx="4794840" cy="3594600"/>
+            <a:ext cx="4794120" cy="3593880"/>
           </a:xfrm>
           <a:prstGeom prst="rect">
             <a:avLst/>
@@ -2348,7 +2348,7 @@
         <p:spPr>
           <a:xfrm>
             <a:off x="756000" y="5145120"/>
-            <a:ext cx="6034320" cy="4196520"/>
+            <a:ext cx="6033600" cy="4195800"/>
           </a:xfrm>
           <a:prstGeom prst="rect">
             <a:avLst/>
@@ -2378,7 +2378,7 @@
         <p:spPr>
           <a:xfrm>
             <a:off x="0" y="10155240"/>
-            <a:ext cx="3262680" cy="523080"/>
+            <a:ext cx="3261960" cy="522360"/>
           </a:xfrm>
           <a:prstGeom prst="rect">
             <a:avLst/>
@@ -2456,7 +2456,7 @@
         <p:spPr>
           <a:xfrm>
             <a:off x="1376280" y="1336680"/>
-            <a:ext cx="4794840" cy="3594600"/>
+            <a:ext cx="4794120" cy="3593880"/>
           </a:xfrm>
           <a:prstGeom prst="rect">
             <a:avLst/>
@@ -2479,7 +2479,7 @@
         <p:spPr>
           <a:xfrm>
             <a:off x="756000" y="5145120"/>
-            <a:ext cx="6034320" cy="4196520"/>
+            <a:ext cx="6033600" cy="4195800"/>
           </a:xfrm>
           <a:prstGeom prst="rect">
             <a:avLst/>
@@ -2509,7 +2509,7 @@
         <p:spPr>
           <a:xfrm>
             <a:off x="0" y="10155240"/>
-            <a:ext cx="3262680" cy="523080"/>
+            <a:ext cx="3261960" cy="522360"/>
           </a:xfrm>
           <a:prstGeom prst="rect">
             <a:avLst/>
@@ -10210,7 +10210,7 @@
         <p:spPr>
           <a:xfrm>
             <a:off x="0" y="3150000"/>
-            <a:ext cx="9713160" cy="1253160"/>
+            <a:ext cx="9712440" cy="1252440"/>
           </a:xfrm>
           <a:prstGeom prst="rect">
             <a:avLst/>
@@ -10508,7 +10508,7 @@
         <p:spPr>
           <a:xfrm>
             <a:off x="0" y="180000"/>
-            <a:ext cx="9713160" cy="1253160"/>
+            <a:ext cx="9712440" cy="1252440"/>
           </a:xfrm>
           <a:prstGeom prst="rect">
             <a:avLst/>
@@ -10536,7 +10536,7 @@
         <p:spPr>
           <a:xfrm>
             <a:off x="7560000" y="6840000"/>
-            <a:ext cx="2513160" cy="533160"/>
+            <a:ext cx="2512440" cy="532440"/>
           </a:xfrm>
           <a:prstGeom prst="rect">
             <a:avLst/>
@@ -10564,7 +10564,7 @@
         <p:spPr>
           <a:xfrm>
             <a:off x="900000" y="6840000"/>
-            <a:ext cx="6473160" cy="533160"/>
+            <a:ext cx="6472440" cy="532440"/>
           </a:xfrm>
           <a:prstGeom prst="rect">
             <a:avLst/>
@@ -10592,7 +10592,7 @@
         <p:spPr>
           <a:xfrm>
             <a:off x="180000" y="6840000"/>
-            <a:ext cx="533160" cy="533160"/>
+            <a:ext cx="532440" cy="532440"/>
           </a:xfrm>
           <a:prstGeom prst="rect">
             <a:avLst/>
@@ -10888,7 +10888,7 @@
         <p:spPr>
           <a:xfrm>
             <a:off x="0" y="180000"/>
-            <a:ext cx="9706680" cy="1246680"/>
+            <a:ext cx="9705960" cy="1245960"/>
           </a:xfrm>
           <a:prstGeom prst="rect">
             <a:avLst/>
@@ -10916,7 +10916,7 @@
         <p:spPr>
           <a:xfrm>
             <a:off x="7560000" y="6840000"/>
-            <a:ext cx="2506680" cy="526680"/>
+            <a:ext cx="2505960" cy="525960"/>
           </a:xfrm>
           <a:prstGeom prst="rect">
             <a:avLst/>
@@ -10944,7 +10944,7 @@
         <p:spPr>
           <a:xfrm>
             <a:off x="900000" y="6840000"/>
-            <a:ext cx="6466680" cy="526680"/>
+            <a:ext cx="6465960" cy="525960"/>
           </a:xfrm>
           <a:prstGeom prst="rect">
             <a:avLst/>
@@ -10972,7 +10972,7 @@
         <p:spPr>
           <a:xfrm>
             <a:off x="180000" y="6840000"/>
-            <a:ext cx="526680" cy="526680"/>
+            <a:ext cx="525960" cy="525960"/>
           </a:xfrm>
           <a:prstGeom prst="rect">
             <a:avLst/>
@@ -11268,7 +11268,7 @@
         <p:spPr>
           <a:xfrm>
             <a:off x="0" y="180000"/>
-            <a:ext cx="9706680" cy="1246680"/>
+            <a:ext cx="9705960" cy="1245960"/>
           </a:xfrm>
           <a:prstGeom prst="rect">
             <a:avLst/>
@@ -11296,7 +11296,7 @@
         <p:spPr>
           <a:xfrm>
             <a:off x="7560000" y="6840000"/>
-            <a:ext cx="2506680" cy="526680"/>
+            <a:ext cx="2505960" cy="525960"/>
           </a:xfrm>
           <a:prstGeom prst="rect">
             <a:avLst/>
@@ -11324,7 +11324,7 @@
         <p:spPr>
           <a:xfrm>
             <a:off x="900000" y="6840000"/>
-            <a:ext cx="6466680" cy="526680"/>
+            <a:ext cx="6465960" cy="525960"/>
           </a:xfrm>
           <a:prstGeom prst="rect">
             <a:avLst/>
@@ -11352,7 +11352,7 @@
         <p:spPr>
           <a:xfrm>
             <a:off x="180000" y="6840000"/>
-            <a:ext cx="526680" cy="526680"/>
+            <a:ext cx="525960" cy="525960"/>
           </a:xfrm>
           <a:prstGeom prst="rect">
             <a:avLst/>
@@ -11648,7 +11648,7 @@
         <p:spPr>
           <a:xfrm>
             <a:off x="0" y="180000"/>
-            <a:ext cx="9706680" cy="1246680"/>
+            <a:ext cx="9705960" cy="1245960"/>
           </a:xfrm>
           <a:prstGeom prst="rect">
             <a:avLst/>
@@ -11676,7 +11676,7 @@
         <p:spPr>
           <a:xfrm>
             <a:off x="7560000" y="6840000"/>
-            <a:ext cx="2506680" cy="526680"/>
+            <a:ext cx="2505960" cy="525960"/>
           </a:xfrm>
           <a:prstGeom prst="rect">
             <a:avLst/>
@@ -11704,7 +11704,7 @@
         <p:spPr>
           <a:xfrm>
             <a:off x="900000" y="6840000"/>
-            <a:ext cx="6466680" cy="526680"/>
+            <a:ext cx="6465960" cy="525960"/>
           </a:xfrm>
           <a:prstGeom prst="rect">
             <a:avLst/>
@@ -11732,7 +11732,7 @@
         <p:spPr>
           <a:xfrm>
             <a:off x="180000" y="6840000"/>
-            <a:ext cx="526680" cy="526680"/>
+            <a:ext cx="525960" cy="525960"/>
           </a:xfrm>
           <a:prstGeom prst="rect">
             <a:avLst/>
@@ -12021,7 +12021,7 @@
         <p:spPr>
           <a:xfrm>
             <a:off x="360000" y="3330000"/>
-            <a:ext cx="9353160" cy="893160"/>
+            <a:ext cx="9352440" cy="892440"/>
           </a:xfrm>
           <a:prstGeom prst="rect">
             <a:avLst/>
@@ -12073,7 +12073,7 @@
         <p:spPr>
           <a:xfrm>
             <a:off x="540000" y="4680000"/>
-            <a:ext cx="9173160" cy="2513160"/>
+            <a:ext cx="9172440" cy="2512440"/>
           </a:xfrm>
           <a:prstGeom prst="rect">
             <a:avLst/>
@@ -12312,7 +12312,7 @@
         <p:spPr>
           <a:xfrm>
             <a:off x="360000" y="360000"/>
-            <a:ext cx="9346680" cy="886680"/>
+            <a:ext cx="9345960" cy="885960"/>
           </a:xfrm>
           <a:prstGeom prst="rect">
             <a:avLst/>
@@ -12364,7 +12364,7 @@
         <p:spPr>
           <a:xfrm>
             <a:off x="360000" y="1447920"/>
-            <a:ext cx="9166680" cy="4666680"/>
+            <a:ext cx="9165960" cy="4665960"/>
           </a:xfrm>
           <a:prstGeom prst="rect">
             <a:avLst/>
@@ -12433,7 +12433,7 @@
         <p:spPr>
           <a:xfrm>
             <a:off x="897120" y="6886080"/>
-            <a:ext cx="6433920" cy="351720"/>
+            <a:ext cx="6433200" cy="351000"/>
           </a:xfrm>
           <a:prstGeom prst="rect">
             <a:avLst/>
@@ -12485,7 +12485,7 @@
         <p:spPr>
           <a:xfrm>
             <a:off x="7608600" y="6886080"/>
-            <a:ext cx="2271960" cy="351720"/>
+            <a:ext cx="2271240" cy="351000"/>
           </a:xfrm>
           <a:prstGeom prst="rect">
             <a:avLst/>
@@ -12537,7 +12537,7 @@
         <p:spPr>
           <a:xfrm>
             <a:off x="360000" y="1447920"/>
-            <a:ext cx="9166680" cy="4666680"/>
+            <a:ext cx="9165960" cy="4665960"/>
           </a:xfrm>
           <a:prstGeom prst="rect">
             <a:avLst/>
@@ -12680,7 +12680,7 @@
         <p:spPr>
           <a:xfrm>
             <a:off x="4107600" y="2606760"/>
-            <a:ext cx="2406960" cy="2647800"/>
+            <a:ext cx="2406240" cy="2647080"/>
           </a:xfrm>
           <a:prstGeom prst="rect">
             <a:avLst/>
@@ -12699,7 +12699,7 @@
         <p:spPr>
           <a:xfrm>
             <a:off x="360000" y="1447920"/>
-            <a:ext cx="9166680" cy="4666680"/>
+            <a:ext cx="9165960" cy="4665960"/>
           </a:xfrm>
           <a:prstGeom prst="rect">
             <a:avLst/>
@@ -12829,7 +12829,7 @@
         <p:spPr>
           <a:xfrm>
             <a:off x="622440" y="2570760"/>
-            <a:ext cx="2400120" cy="2647800"/>
+            <a:ext cx="2399400" cy="2647080"/>
           </a:xfrm>
           <a:prstGeom prst="rect">
             <a:avLst/>
@@ -12852,7 +12852,7 @@
         <p:spPr>
           <a:xfrm>
             <a:off x="397440" y="5220000"/>
-            <a:ext cx="3021120" cy="1258560"/>
+            <a:ext cx="3020400" cy="1257840"/>
           </a:xfrm>
           <a:prstGeom prst="rect">
             <a:avLst/>
@@ -12875,7 +12875,7 @@
         <p:spPr>
           <a:xfrm>
             <a:off x="4320000" y="5628960"/>
-            <a:ext cx="1978560" cy="669600"/>
+            <a:ext cx="1977840" cy="668880"/>
           </a:xfrm>
           <a:prstGeom prst="rect">
             <a:avLst/>
@@ -12898,7 +12898,7 @@
         <p:spPr>
           <a:xfrm>
             <a:off x="7091280" y="2845080"/>
-            <a:ext cx="2627280" cy="1293480"/>
+            <a:ext cx="2626560" cy="1292760"/>
           </a:xfrm>
           <a:prstGeom prst="rect">
             <a:avLst/>
@@ -12921,7 +12921,7 @@
         <p:spPr>
           <a:xfrm>
             <a:off x="7562160" y="4243320"/>
-            <a:ext cx="1436400" cy="255240"/>
+            <a:ext cx="1435680" cy="254520"/>
           </a:xfrm>
           <a:prstGeom prst="rect">
             <a:avLst/>
@@ -12975,7 +12975,7 @@
         <p:spPr>
           <a:xfrm>
             <a:off x="2340000" y="4140000"/>
-            <a:ext cx="6677280" cy="2518560"/>
+            <a:ext cx="6676560" cy="2517840"/>
           </a:xfrm>
           <a:prstGeom prst="rect">
             <a:avLst/>
@@ -12994,7 +12994,7 @@
         <p:spPr>
           <a:xfrm>
             <a:off x="360000" y="360000"/>
-            <a:ext cx="9346680" cy="886680"/>
+            <a:ext cx="9345960" cy="885960"/>
           </a:xfrm>
           <a:prstGeom prst="rect">
             <a:avLst/>
@@ -13046,7 +13046,7 @@
         <p:spPr>
           <a:xfrm>
             <a:off x="360000" y="1447920"/>
-            <a:ext cx="9166680" cy="4666680"/>
+            <a:ext cx="9165960" cy="4665960"/>
           </a:xfrm>
           <a:prstGeom prst="rect">
             <a:avLst/>
@@ -13302,7 +13302,7 @@
         <p:spPr>
           <a:xfrm>
             <a:off x="897120" y="6886080"/>
-            <a:ext cx="6433920" cy="351720"/>
+            <a:ext cx="6433200" cy="351000"/>
           </a:xfrm>
           <a:prstGeom prst="rect">
             <a:avLst/>
@@ -13354,7 +13354,7 @@
         <p:spPr>
           <a:xfrm>
             <a:off x="7608600" y="6886080"/>
-            <a:ext cx="2271960" cy="351720"/>
+            <a:ext cx="2271240" cy="351000"/>
           </a:xfrm>
           <a:prstGeom prst="rect">
             <a:avLst/>
@@ -13410,7 +13410,7 @@
         <p:spPr>
           <a:xfrm>
             <a:off x="2880000" y="3240000"/>
-            <a:ext cx="6027840" cy="431640"/>
+            <a:ext cx="6027120" cy="430920"/>
           </a:xfrm>
           <a:prstGeom prst="rect">
             <a:avLst/>
@@ -13459,7 +13459,7 @@
         <p:spPr>
           <a:xfrm>
             <a:off x="360000" y="360000"/>
-            <a:ext cx="9354600" cy="894600"/>
+            <a:ext cx="9353880" cy="893880"/>
           </a:xfrm>
           <a:prstGeom prst="rect">
             <a:avLst/>
@@ -13514,7 +13514,7 @@
         <p:spPr>
           <a:xfrm>
             <a:off x="4888080" y="3627360"/>
-            <a:ext cx="303120" cy="303120"/>
+            <a:ext cx="302400" cy="302400"/>
           </a:xfrm>
           <a:prstGeom prst="rect">
             <a:avLst/>
@@ -13540,7 +13540,7 @@
         <p:spPr>
           <a:xfrm>
             <a:off x="7608600" y="6886080"/>
-            <a:ext cx="2279880" cy="359640"/>
+            <a:ext cx="2279160" cy="358920"/>
           </a:xfrm>
           <a:prstGeom prst="rect">
             <a:avLst/>
@@ -13592,7 +13592,7 @@
         <p:spPr>
           <a:xfrm>
             <a:off x="897120" y="6886080"/>
-            <a:ext cx="6441840" cy="359640"/>
+            <a:ext cx="6441120" cy="358920"/>
           </a:xfrm>
           <a:prstGeom prst="rect">
             <a:avLst/>
@@ -13647,7 +13647,7 @@
         <p:spPr>
           <a:xfrm>
             <a:off x="200160" y="1693440"/>
-            <a:ext cx="7520040" cy="4748760"/>
+            <a:ext cx="7519320" cy="4748760"/>
           </a:xfrm>
           <a:prstGeom prst="rect">
             <a:avLst/>
@@ -13994,7 +13994,7 @@
         <p:spPr>
           <a:xfrm>
             <a:off x="3780000" y="1980000"/>
-            <a:ext cx="5825880" cy="3958560"/>
+            <a:ext cx="5825160" cy="3957840"/>
           </a:xfrm>
           <a:prstGeom prst="rect">
             <a:avLst/>
@@ -14047,7 +14047,7 @@
         <p:spPr>
           <a:xfrm>
             <a:off x="6120000" y="1870920"/>
-            <a:ext cx="3238560" cy="2278800"/>
+            <a:ext cx="3237840" cy="2278080"/>
           </a:xfrm>
           <a:prstGeom prst="rect">
             <a:avLst/>
@@ -14066,7 +14066,7 @@
         <p:spPr>
           <a:xfrm>
             <a:off x="360000" y="360000"/>
-            <a:ext cx="9354600" cy="894600"/>
+            <a:ext cx="9353880" cy="893880"/>
           </a:xfrm>
           <a:prstGeom prst="rect">
             <a:avLst/>
@@ -14121,7 +14121,7 @@
         <p:spPr>
           <a:xfrm>
             <a:off x="200160" y="1693440"/>
-            <a:ext cx="7520040" cy="2466360"/>
+            <a:ext cx="7519320" cy="2466360"/>
           </a:xfrm>
           <a:prstGeom prst="rect">
             <a:avLst/>
@@ -14303,7 +14303,7 @@
         <p:spPr>
           <a:xfrm>
             <a:off x="4888080" y="3627360"/>
-            <a:ext cx="303120" cy="303120"/>
+            <a:ext cx="302400" cy="302400"/>
           </a:xfrm>
           <a:prstGeom prst="rect">
             <a:avLst/>
@@ -14333,7 +14333,7 @@
         <p:spPr>
           <a:xfrm>
             <a:off x="1024200" y="2495520"/>
-            <a:ext cx="3538080" cy="622080"/>
+            <a:ext cx="3537360" cy="621360"/>
           </a:xfrm>
           <a:prstGeom prst="rect">
             <a:avLst/>
@@ -14352,7 +14352,7 @@
         <p:spPr>
           <a:xfrm>
             <a:off x="200160" y="4215240"/>
-            <a:ext cx="5036760" cy="1735560"/>
+            <a:ext cx="5036040" cy="1735560"/>
           </a:xfrm>
           <a:prstGeom prst="rect">
             <a:avLst/>
@@ -14529,7 +14529,7 @@
         <p:spPr>
           <a:xfrm>
             <a:off x="5940000" y="4185720"/>
-            <a:ext cx="3562560" cy="2472840"/>
+            <a:ext cx="3561840" cy="2472120"/>
           </a:xfrm>
           <a:prstGeom prst="rect">
             <a:avLst/>
@@ -14582,7 +14582,7 @@
         <p:spPr>
           <a:xfrm>
             <a:off x="7608600" y="6886080"/>
-            <a:ext cx="2279880" cy="359640"/>
+            <a:ext cx="2279160" cy="358920"/>
           </a:xfrm>
           <a:prstGeom prst="rect">
             <a:avLst/>
@@ -14634,7 +14634,7 @@
         <p:spPr>
           <a:xfrm>
             <a:off x="897120" y="6886080"/>
-            <a:ext cx="6441840" cy="359640"/>
+            <a:ext cx="6441120" cy="358920"/>
           </a:xfrm>
           <a:prstGeom prst="rect">
             <a:avLst/>
@@ -14719,7 +14719,7 @@
         <p:spPr>
           <a:xfrm>
             <a:off x="200160" y="1693440"/>
-            <a:ext cx="6278400" cy="2832840"/>
+            <a:ext cx="6277680" cy="2832840"/>
           </a:xfrm>
           <a:prstGeom prst="rect">
             <a:avLst/>
@@ -14916,7 +14916,7 @@
         <p:spPr>
           <a:xfrm>
             <a:off x="4888080" y="3627360"/>
-            <a:ext cx="303120" cy="303120"/>
+            <a:ext cx="302400" cy="302400"/>
           </a:xfrm>
           <a:prstGeom prst="rect">
             <a:avLst/>
@@ -14942,7 +14942,7 @@
         <p:spPr>
           <a:xfrm>
             <a:off x="200160" y="4215240"/>
-            <a:ext cx="5614560" cy="2558520"/>
+            <a:ext cx="5613840" cy="2558520"/>
           </a:xfrm>
           <a:prstGeom prst="rect">
             <a:avLst/>
@@ -15149,7 +15149,7 @@
         <p:spPr>
           <a:xfrm>
             <a:off x="1018440" y="2880000"/>
-            <a:ext cx="2400120" cy="633600"/>
+            <a:ext cx="2399400" cy="632880"/>
           </a:xfrm>
           <a:prstGeom prst="rect">
             <a:avLst/>
@@ -15172,7 +15172,7 @@
         <p:spPr>
           <a:xfrm>
             <a:off x="1980000" y="5760000"/>
-            <a:ext cx="2131920" cy="536040"/>
+            <a:ext cx="2131200" cy="535320"/>
           </a:xfrm>
           <a:prstGeom prst="rect">
             <a:avLst/>
@@ -15195,7 +15195,7 @@
         <p:spPr>
           <a:xfrm>
             <a:off x="5552280" y="2340000"/>
-            <a:ext cx="4346280" cy="3058560"/>
+            <a:ext cx="4345560" cy="3057840"/>
           </a:xfrm>
           <a:prstGeom prst="rect">
             <a:avLst/>
@@ -15214,7 +15214,7 @@
         <p:spPr>
           <a:xfrm>
             <a:off x="7608600" y="6886080"/>
-            <a:ext cx="2279880" cy="359640"/>
+            <a:ext cx="2279160" cy="358920"/>
           </a:xfrm>
           <a:prstGeom prst="rect">
             <a:avLst/>
@@ -15266,7 +15266,7 @@
         <p:spPr>
           <a:xfrm>
             <a:off x="897120" y="6886080"/>
-            <a:ext cx="6441840" cy="359640"/>
+            <a:ext cx="6441120" cy="358920"/>
           </a:xfrm>
           <a:prstGeom prst="rect">
             <a:avLst/>
@@ -15321,7 +15321,7 @@
         <p:spPr>
           <a:xfrm>
             <a:off x="360000" y="360000"/>
-            <a:ext cx="9354600" cy="894600"/>
+            <a:ext cx="9353880" cy="893880"/>
           </a:xfrm>
           <a:prstGeom prst="rect">
             <a:avLst/>
@@ -15406,7 +15406,7 @@
         <p:spPr>
           <a:xfrm>
             <a:off x="200160" y="1693440"/>
-            <a:ext cx="7520040" cy="2832840"/>
+            <a:ext cx="7519320" cy="2832840"/>
           </a:xfrm>
           <a:prstGeom prst="rect">
             <a:avLst/>
@@ -15609,7 +15609,7 @@
         <p:spPr>
           <a:xfrm>
             <a:off x="4888080" y="3627360"/>
-            <a:ext cx="303120" cy="303120"/>
+            <a:ext cx="302400" cy="302400"/>
           </a:xfrm>
           <a:prstGeom prst="rect">
             <a:avLst/>
@@ -15639,7 +15639,7 @@
         <p:spPr>
           <a:xfrm>
             <a:off x="5640480" y="2520000"/>
-            <a:ext cx="4078080" cy="2869920"/>
+            <a:ext cx="4077360" cy="2869200"/>
           </a:xfrm>
           <a:prstGeom prst="rect">
             <a:avLst/>
@@ -15658,7 +15658,7 @@
         <p:spPr>
           <a:xfrm>
             <a:off x="4140000" y="5691600"/>
-            <a:ext cx="5609880" cy="607680"/>
+            <a:ext cx="5609160" cy="607680"/>
           </a:xfrm>
           <a:prstGeom prst="rect">
             <a:avLst/>
@@ -15758,7 +15758,7 @@
         <p:spPr>
           <a:xfrm>
             <a:off x="1092240" y="2855520"/>
-            <a:ext cx="3382920" cy="522000"/>
+            <a:ext cx="3382200" cy="521280"/>
           </a:xfrm>
           <a:prstGeom prst="rect">
             <a:avLst/>
@@ -15777,7 +15777,7 @@
         <p:spPr>
           <a:xfrm>
             <a:off x="200160" y="4444200"/>
-            <a:ext cx="5040000" cy="2284200"/>
+            <a:ext cx="5039280" cy="2284200"/>
           </a:xfrm>
           <a:prstGeom prst="rect">
             <a:avLst/>
@@ -15966,7 +15966,7 @@
         <p:spPr>
           <a:xfrm>
             <a:off x="7608600" y="6886080"/>
-            <a:ext cx="2279880" cy="359640"/>
+            <a:ext cx="2279160" cy="358920"/>
           </a:xfrm>
           <a:prstGeom prst="rect">
             <a:avLst/>
@@ -16018,7 +16018,7 @@
         <p:spPr>
           <a:xfrm>
             <a:off x="897120" y="6886080"/>
-            <a:ext cx="6441840" cy="359640"/>
+            <a:ext cx="6441120" cy="358920"/>
           </a:xfrm>
           <a:prstGeom prst="rect">
             <a:avLst/>
@@ -16073,7 +16073,7 @@
         <p:spPr>
           <a:xfrm>
             <a:off x="360000" y="360000"/>
-            <a:ext cx="9354600" cy="894600"/>
+            <a:ext cx="9353880" cy="893880"/>
           </a:xfrm>
           <a:prstGeom prst="rect">
             <a:avLst/>
@@ -16158,7 +16158,7 @@
         <p:spPr>
           <a:xfrm>
             <a:off x="200160" y="1693440"/>
-            <a:ext cx="7520040" cy="913320"/>
+            <a:ext cx="7519320" cy="912600"/>
           </a:xfrm>
           <a:prstGeom prst="rect">
             <a:avLst/>
@@ -16250,6 +16250,32 @@
               <a:t>
 </a:t>
             </a:r>
+            <a:r>
+              <a:rPr b="0" lang="en-US" sz="1800" spc="-1" strike="noStrike" u="sng">
+                <a:solidFill>
+                  <a:srgbClr val="0000ff"/>
+                </a:solidFill>
+                <a:uFillTx/>
+                <a:latin typeface="Calibri"/>
+                <a:ea typeface="DejaVu Sans"/>
+                <a:hlinkClick r:id="rId3"/>
+              </a:rPr>
+              <a:t>
+</a:t>
+            </a:r>
+            <a:r>
+              <a:rPr b="0" lang="en-US" sz="1800" spc="-1" strike="noStrike" u="sng">
+                <a:solidFill>
+                  <a:srgbClr val="0000ff"/>
+                </a:solidFill>
+                <a:uFillTx/>
+                <a:latin typeface="Calibri"/>
+                <a:ea typeface="DejaVu Sans"/>
+                <a:hlinkClick r:id="rId4"/>
+              </a:rPr>
+              <a:t>
+</a:t>
+            </a:r>
             <a:endParaRPr b="0" lang="pt-BR" sz="1800" spc="-1" strike="noStrike">
               <a:latin typeface="Arial"/>
             </a:endParaRPr>
@@ -16265,7 +16291,7 @@
         <p:spPr>
           <a:xfrm>
             <a:off x="4888080" y="3627360"/>
-            <a:ext cx="303120" cy="303120"/>
+            <a:ext cx="302400" cy="302400"/>
           </a:xfrm>
           <a:prstGeom prst="rect">
             <a:avLst/>
@@ -16291,7 +16317,7 @@
         <p:spPr>
           <a:xfrm>
             <a:off x="4140000" y="5691600"/>
-            <a:ext cx="5609880" cy="606960"/>
+            <a:ext cx="5609160" cy="606240"/>
           </a:xfrm>
           <a:prstGeom prst="rect">
             <a:avLst/>
@@ -16317,7 +16343,7 @@
         <p:spPr>
           <a:xfrm>
             <a:off x="7608600" y="6886080"/>
-            <a:ext cx="2279880" cy="359640"/>
+            <a:ext cx="2279160" cy="358920"/>
           </a:xfrm>
           <a:prstGeom prst="rect">
             <a:avLst/>
@@ -16369,7 +16395,7 @@
         <p:spPr>
           <a:xfrm>
             <a:off x="897120" y="6886080"/>
-            <a:ext cx="6441840" cy="359640"/>
+            <a:ext cx="6441120" cy="358920"/>
           </a:xfrm>
           <a:prstGeom prst="rect">
             <a:avLst/>
@@ -16424,7 +16450,7 @@
         <p:spPr>
           <a:xfrm>
             <a:off x="360000" y="360000"/>
-            <a:ext cx="9354600" cy="894600"/>
+            <a:ext cx="9353880" cy="893880"/>
           </a:xfrm>
           <a:prstGeom prst="rect">
             <a:avLst/>
@@ -16509,7 +16535,7 @@
         <p:spPr>
           <a:xfrm>
             <a:off x="200160" y="1693440"/>
-            <a:ext cx="7520040" cy="3930120"/>
+            <a:ext cx="7519320" cy="3930120"/>
           </a:xfrm>
           <a:prstGeom prst="rect">
             <a:avLst/>
@@ -16728,7 +16754,7 @@
         <p:spPr>
           <a:xfrm>
             <a:off x="4888080" y="3627360"/>
-            <a:ext cx="303120" cy="303120"/>
+            <a:ext cx="302400" cy="302400"/>
           </a:xfrm>
           <a:prstGeom prst="rect">
             <a:avLst/>
@@ -16754,7 +16780,7 @@
         <p:spPr>
           <a:xfrm>
             <a:off x="4140000" y="5691600"/>
-            <a:ext cx="5609880" cy="606960"/>
+            <a:ext cx="5609160" cy="606240"/>
           </a:xfrm>
           <a:prstGeom prst="rect">
             <a:avLst/>
@@ -16780,7 +16806,7 @@
         <p:spPr>
           <a:xfrm>
             <a:off x="7608600" y="6886080"/>
-            <a:ext cx="2279880" cy="359640"/>
+            <a:ext cx="2279160" cy="358920"/>
           </a:xfrm>
           <a:prstGeom prst="rect">
             <a:avLst/>
@@ -16832,7 +16858,7 @@
         <p:spPr>
           <a:xfrm>
             <a:off x="897120" y="6886080"/>
-            <a:ext cx="6441840" cy="359640"/>
+            <a:ext cx="6441120" cy="358920"/>
           </a:xfrm>
           <a:prstGeom prst="rect">
             <a:avLst/>
@@ -16887,7 +16913,7 @@
         <p:spPr>
           <a:xfrm>
             <a:off x="360000" y="360000"/>
-            <a:ext cx="9354600" cy="894600"/>
+            <a:ext cx="9353880" cy="893880"/>
           </a:xfrm>
           <a:prstGeom prst="rect">
             <a:avLst/>
@@ -16972,7 +16998,7 @@
         <p:spPr>
           <a:xfrm>
             <a:off x="360000" y="360000"/>
-            <a:ext cx="9353160" cy="893160"/>
+            <a:ext cx="9352440" cy="892440"/>
           </a:xfrm>
           <a:prstGeom prst="rect">
             <a:avLst/>
@@ -17024,7 +17050,7 @@
         <p:spPr>
           <a:xfrm>
             <a:off x="360000" y="1980000"/>
-            <a:ext cx="9173160" cy="4673160"/>
+            <a:ext cx="9172440" cy="4672440"/>
           </a:xfrm>
           <a:prstGeom prst="rect">
             <a:avLst/>
@@ -17228,7 +17254,7 @@
         <p:spPr>
           <a:xfrm>
             <a:off x="897120" y="6886080"/>
-            <a:ext cx="6440400" cy="358200"/>
+            <a:ext cx="6439680" cy="357480"/>
           </a:xfrm>
           <a:prstGeom prst="rect">
             <a:avLst/>
@@ -17280,7 +17306,7 @@
         <p:spPr>
           <a:xfrm>
             <a:off x="7608600" y="6886080"/>
-            <a:ext cx="2278440" cy="358200"/>
+            <a:ext cx="2277720" cy="357480"/>
           </a:xfrm>
           <a:prstGeom prst="rect">
             <a:avLst/>
@@ -17335,8 +17361,8 @@
         </p:blipFill>
         <p:spPr>
           <a:xfrm>
-            <a:off x="2052000" y="4320000"/>
-            <a:ext cx="6228000" cy="1847160"/>
+            <a:off x="1599480" y="4218120"/>
+            <a:ext cx="7184160" cy="2153520"/>
           </a:xfrm>
           <a:prstGeom prst="rect">
             <a:avLst/>
@@ -17385,7 +17411,7 @@
         <p:spPr>
           <a:xfrm>
             <a:off x="360000" y="360000"/>
-            <a:ext cx="9346680" cy="886680"/>
+            <a:ext cx="9345960" cy="885960"/>
           </a:xfrm>
           <a:prstGeom prst="rect">
             <a:avLst/>
@@ -17437,7 +17463,7 @@
         <p:spPr>
           <a:xfrm>
             <a:off x="897120" y="6886080"/>
-            <a:ext cx="6433920" cy="351720"/>
+            <a:ext cx="6433200" cy="351000"/>
           </a:xfrm>
           <a:prstGeom prst="rect">
             <a:avLst/>
@@ -17489,7 +17515,7 @@
         <p:spPr>
           <a:xfrm>
             <a:off x="7608600" y="6886080"/>
-            <a:ext cx="2271960" cy="351720"/>
+            <a:ext cx="2271240" cy="351000"/>
           </a:xfrm>
           <a:prstGeom prst="rect">
             <a:avLst/>
@@ -17545,7 +17571,7 @@
         <p:spPr>
           <a:xfrm>
             <a:off x="652320" y="2123640"/>
-            <a:ext cx="8627400" cy="4646520"/>
+            <a:ext cx="8626680" cy="4645800"/>
           </a:xfrm>
           <a:prstGeom prst="rect">
             <a:avLst/>
@@ -17564,7 +17590,7 @@
         <p:spPr>
           <a:xfrm>
             <a:off x="342720" y="1529280"/>
-            <a:ext cx="6776280" cy="384480"/>
+            <a:ext cx="6775560" cy="383760"/>
           </a:xfrm>
           <a:prstGeom prst="rect">
             <a:avLst/>
@@ -17646,7 +17672,7 @@
         <p:spPr>
           <a:xfrm>
             <a:off x="360000" y="360000"/>
-            <a:ext cx="9346680" cy="886680"/>
+            <a:ext cx="9345960" cy="885960"/>
           </a:xfrm>
           <a:prstGeom prst="rect">
             <a:avLst/>
@@ -17698,7 +17724,7 @@
         <p:spPr>
           <a:xfrm>
             <a:off x="897120" y="6886080"/>
-            <a:ext cx="6433920" cy="351720"/>
+            <a:ext cx="6433200" cy="351000"/>
           </a:xfrm>
           <a:prstGeom prst="rect">
             <a:avLst/>
@@ -17750,7 +17776,7 @@
         <p:spPr>
           <a:xfrm>
             <a:off x="7608600" y="6886080"/>
-            <a:ext cx="2271960" cy="351720"/>
+            <a:ext cx="2271240" cy="351000"/>
           </a:xfrm>
           <a:prstGeom prst="rect">
             <a:avLst/>
@@ -17807,7 +17833,7 @@
         <p:spPr>
           <a:xfrm>
             <a:off x="540000" y="2768400"/>
-            <a:ext cx="2582640" cy="2682000"/>
+            <a:ext cx="2581920" cy="2681280"/>
           </a:xfrm>
           <a:prstGeom prst="rect">
             <a:avLst/>
@@ -17826,7 +17852,7 @@
         <p:spPr>
           <a:xfrm>
             <a:off x="525240" y="1594800"/>
-            <a:ext cx="6776280" cy="384480"/>
+            <a:ext cx="6775560" cy="383760"/>
           </a:xfrm>
           <a:prstGeom prst="rect">
             <a:avLst/>
@@ -17882,7 +17908,7 @@
         <p:spPr>
           <a:xfrm>
             <a:off x="4258440" y="2429640"/>
-            <a:ext cx="4656600" cy="3285000"/>
+            <a:ext cx="4655880" cy="3284280"/>
           </a:xfrm>
           <a:prstGeom prst="rect">
             <a:avLst/>
@@ -17931,7 +17957,7 @@
         <p:spPr>
           <a:xfrm>
             <a:off x="360000" y="360000"/>
-            <a:ext cx="9346680" cy="886680"/>
+            <a:ext cx="9345960" cy="885960"/>
           </a:xfrm>
           <a:prstGeom prst="rect">
             <a:avLst/>
@@ -17983,7 +18009,7 @@
         <p:spPr>
           <a:xfrm>
             <a:off x="360000" y="1447920"/>
-            <a:ext cx="9166680" cy="4666680"/>
+            <a:ext cx="9165960" cy="4665960"/>
           </a:xfrm>
           <a:prstGeom prst="rect">
             <a:avLst/>
@@ -18182,7 +18208,7 @@
         <p:spPr>
           <a:xfrm>
             <a:off x="897120" y="6886080"/>
-            <a:ext cx="6433920" cy="351720"/>
+            <a:ext cx="6433200" cy="351000"/>
           </a:xfrm>
           <a:prstGeom prst="rect">
             <a:avLst/>
@@ -18234,7 +18260,7 @@
         <p:spPr>
           <a:xfrm>
             <a:off x="7608600" y="6886080"/>
-            <a:ext cx="2271960" cy="351720"/>
+            <a:ext cx="2271240" cy="351000"/>
           </a:xfrm>
           <a:prstGeom prst="rect">
             <a:avLst/>
@@ -18290,7 +18316,7 @@
         <p:spPr>
           <a:xfrm>
             <a:off x="1265400" y="3934080"/>
-            <a:ext cx="3354840" cy="2487960"/>
+            <a:ext cx="3354120" cy="2487240"/>
           </a:xfrm>
           <a:prstGeom prst="rect">
             <a:avLst/>
@@ -18313,7 +18339,7 @@
         <p:spPr>
           <a:xfrm>
             <a:off x="4862880" y="3642840"/>
-            <a:ext cx="4817160" cy="3245760"/>
+            <a:ext cx="4816440" cy="3245040"/>
           </a:xfrm>
           <a:prstGeom prst="rect">
             <a:avLst/>
@@ -18362,7 +18388,7 @@
         <p:spPr>
           <a:xfrm>
             <a:off x="360000" y="360000"/>
-            <a:ext cx="9346680" cy="886680"/>
+            <a:ext cx="9345960" cy="885960"/>
           </a:xfrm>
           <a:prstGeom prst="rect">
             <a:avLst/>
@@ -18414,7 +18440,7 @@
         <p:spPr>
           <a:xfrm>
             <a:off x="360000" y="1447920"/>
-            <a:ext cx="9166680" cy="4666680"/>
+            <a:ext cx="9165960" cy="4665960"/>
           </a:xfrm>
           <a:prstGeom prst="rect">
             <a:avLst/>
@@ -18526,7 +18552,7 @@
         <p:spPr>
           <a:xfrm>
             <a:off x="897120" y="6886080"/>
-            <a:ext cx="6433920" cy="351720"/>
+            <a:ext cx="6433200" cy="351000"/>
           </a:xfrm>
           <a:prstGeom prst="rect">
             <a:avLst/>
@@ -18578,7 +18604,7 @@
         <p:spPr>
           <a:xfrm>
             <a:off x="7608600" y="6886080"/>
-            <a:ext cx="2271960" cy="351720"/>
+            <a:ext cx="2271240" cy="351000"/>
           </a:xfrm>
           <a:prstGeom prst="rect">
             <a:avLst/>
@@ -18634,7 +18660,7 @@
         <p:spPr>
           <a:xfrm>
             <a:off x="2520360" y="2482200"/>
-            <a:ext cx="4678200" cy="3996360"/>
+            <a:ext cx="4677480" cy="3995640"/>
           </a:xfrm>
           <a:prstGeom prst="rect">
             <a:avLst/>
@@ -18683,7 +18709,7 @@
         <p:spPr>
           <a:xfrm>
             <a:off x="360000" y="360000"/>
-            <a:ext cx="9346680" cy="886680"/>
+            <a:ext cx="9345960" cy="885960"/>
           </a:xfrm>
           <a:prstGeom prst="rect">
             <a:avLst/>
@@ -18735,7 +18761,7 @@
         <p:spPr>
           <a:xfrm>
             <a:off x="360000" y="1447920"/>
-            <a:ext cx="9166680" cy="4666680"/>
+            <a:ext cx="9165960" cy="4665960"/>
           </a:xfrm>
           <a:prstGeom prst="rect">
             <a:avLst/>
@@ -18861,7 +18887,7 @@
         <p:spPr>
           <a:xfrm>
             <a:off x="897120" y="6886080"/>
-            <a:ext cx="6433920" cy="351720"/>
+            <a:ext cx="6433200" cy="351000"/>
           </a:xfrm>
           <a:prstGeom prst="rect">
             <a:avLst/>
@@ -18913,7 +18939,7 @@
         <p:spPr>
           <a:xfrm>
             <a:off x="7608600" y="6886080"/>
-            <a:ext cx="2271960" cy="351720"/>
+            <a:ext cx="2271240" cy="351000"/>
           </a:xfrm>
           <a:prstGeom prst="rect">
             <a:avLst/>
@@ -18969,7 +18995,7 @@
         <p:spPr>
           <a:xfrm>
             <a:off x="5498280" y="2713680"/>
-            <a:ext cx="1955160" cy="467640"/>
+            <a:ext cx="1954440" cy="466920"/>
           </a:xfrm>
           <a:prstGeom prst="rect">
             <a:avLst/>
@@ -18992,7 +19018,7 @@
         <p:spPr>
           <a:xfrm>
             <a:off x="1474920" y="3207600"/>
-            <a:ext cx="7789680" cy="3360960"/>
+            <a:ext cx="7788960" cy="3360240"/>
           </a:xfrm>
           <a:prstGeom prst="rect">
             <a:avLst/>
@@ -19015,7 +19041,7 @@
         <p:spPr>
           <a:xfrm>
             <a:off x="5094000" y="3539160"/>
-            <a:ext cx="2752200" cy="711360"/>
+            <a:ext cx="2751480" cy="710640"/>
           </a:xfrm>
           <a:prstGeom prst="rect">
             <a:avLst/>
@@ -19064,7 +19090,7 @@
         <p:spPr>
           <a:xfrm>
             <a:off x="360000" y="360000"/>
-            <a:ext cx="9346680" cy="886680"/>
+            <a:ext cx="9345960" cy="885960"/>
           </a:xfrm>
           <a:prstGeom prst="rect">
             <a:avLst/>
@@ -19116,7 +19142,7 @@
         <p:spPr>
           <a:xfrm>
             <a:off x="360000" y="1447920"/>
-            <a:ext cx="9166680" cy="4666680"/>
+            <a:ext cx="9165960" cy="4665960"/>
           </a:xfrm>
           <a:prstGeom prst="rect">
             <a:avLst/>
@@ -19228,7 +19254,7 @@
         <p:spPr>
           <a:xfrm>
             <a:off x="897120" y="6886080"/>
-            <a:ext cx="6433920" cy="351720"/>
+            <a:ext cx="6433200" cy="351000"/>
           </a:xfrm>
           <a:prstGeom prst="rect">
             <a:avLst/>
@@ -19280,7 +19306,7 @@
         <p:spPr>
           <a:xfrm>
             <a:off x="7608600" y="6886080"/>
-            <a:ext cx="2271960" cy="351720"/>
+            <a:ext cx="2271240" cy="351000"/>
           </a:xfrm>
           <a:prstGeom prst="rect">
             <a:avLst/>
@@ -19336,7 +19362,7 @@
         <p:spPr>
           <a:xfrm>
             <a:off x="2675160" y="2603160"/>
-            <a:ext cx="7001640" cy="1557720"/>
+            <a:ext cx="7000920" cy="1557000"/>
           </a:xfrm>
           <a:prstGeom prst="rect">
             <a:avLst/>
@@ -19359,7 +19385,7 @@
         <p:spPr>
           <a:xfrm>
             <a:off x="484200" y="3418560"/>
-            <a:ext cx="3715920" cy="3214440"/>
+            <a:ext cx="3715200" cy="3213720"/>
           </a:xfrm>
           <a:prstGeom prst="rect">
             <a:avLst/>
@@ -19439,7 +19465,7 @@
         <p:spPr>
           <a:xfrm>
             <a:off x="360000" y="360000"/>
-            <a:ext cx="9346680" cy="886680"/>
+            <a:ext cx="9345960" cy="885960"/>
           </a:xfrm>
           <a:prstGeom prst="rect">
             <a:avLst/>
@@ -19491,7 +19517,7 @@
         <p:spPr>
           <a:xfrm>
             <a:off x="360000" y="1447920"/>
-            <a:ext cx="9166680" cy="4666680"/>
+            <a:ext cx="9165960" cy="4665960"/>
           </a:xfrm>
           <a:prstGeom prst="rect">
             <a:avLst/>
@@ -19560,7 +19586,7 @@
         <p:spPr>
           <a:xfrm>
             <a:off x="897120" y="6886080"/>
-            <a:ext cx="6433920" cy="351720"/>
+            <a:ext cx="6433200" cy="351000"/>
           </a:xfrm>
           <a:prstGeom prst="rect">
             <a:avLst/>
@@ -19612,7 +19638,7 @@
         <p:spPr>
           <a:xfrm>
             <a:off x="7608600" y="6886080"/>
-            <a:ext cx="2271960" cy="351720"/>
+            <a:ext cx="2271240" cy="351000"/>
           </a:xfrm>
           <a:prstGeom prst="rect">
             <a:avLst/>
@@ -19664,7 +19690,7 @@
         <p:spPr>
           <a:xfrm>
             <a:off x="1962000" y="3637080"/>
-            <a:ext cx="6298920" cy="1112040"/>
+            <a:ext cx="6298200" cy="1111320"/>
           </a:xfrm>
           <a:prstGeom prst="rect">
             <a:avLst/>
@@ -19690,7 +19716,7 @@
         <p:spPr>
           <a:xfrm>
             <a:off x="360000" y="1447920"/>
-            <a:ext cx="9166680" cy="4666680"/>
+            <a:ext cx="9165960" cy="4665960"/>
           </a:xfrm>
           <a:prstGeom prst="rect">
             <a:avLst/>
@@ -19874,9 +19900,9 @@
         <p:grpSpPr>
           <a:xfrm>
             <a:off x="4176000" y="2431440"/>
-            <a:ext cx="5218560" cy="4318560"/>
+            <a:ext cx="5217840" cy="4317840"/>
             <a:chOff x="4176000" y="2431440"/>
-            <a:chExt cx="5218560" cy="4318560"/>
+            <a:chExt cx="5217840" cy="4317840"/>
           </a:xfrm>
         </p:grpSpPr>
         <p:grpSp>
@@ -19888,9 +19914,9 @@
           <p:grpSpPr>
             <a:xfrm>
               <a:off x="4176000" y="2431440"/>
-              <a:ext cx="5218560" cy="4318560"/>
+              <a:ext cx="5217840" cy="4317840"/>
               <a:chOff x="4176000" y="2431440"/>
-              <a:chExt cx="5218560" cy="4318560"/>
+              <a:chExt cx="5217840" cy="4317840"/>
             </a:xfrm>
           </p:grpSpPr>
           <p:pic>
@@ -19907,7 +19933,7 @@
             <p:spPr>
               <a:xfrm>
                 <a:off x="4176000" y="2431440"/>
-                <a:ext cx="5218560" cy="4318560"/>
+                <a:ext cx="5217840" cy="4317840"/>
               </a:xfrm>
               <a:prstGeom prst="rect">
                 <a:avLst/>
@@ -19930,7 +19956,7 @@
             <p:spPr>
               <a:xfrm>
                 <a:off x="5144400" y="2522880"/>
-                <a:ext cx="4032360" cy="3560400"/>
+                <a:ext cx="4031640" cy="3559680"/>
               </a:xfrm>
               <a:prstGeom prst="rect">
                 <a:avLst/>
@@ -19950,9 +19976,9 @@
           <p:grpSpPr>
             <a:xfrm>
               <a:off x="7167240" y="4802040"/>
-              <a:ext cx="1687320" cy="376560"/>
+              <a:ext cx="1686600" cy="375840"/>
               <a:chOff x="7167240" y="4802040"/>
-              <a:chExt cx="1687320" cy="376560"/>
+              <a:chExt cx="1686600" cy="375840"/>
             </a:xfrm>
           </p:grpSpPr>
           <p:sp>
@@ -19964,7 +19990,7 @@
             <p:spPr>
               <a:xfrm>
                 <a:off x="7167240" y="4802040"/>
-                <a:ext cx="1687320" cy="376560"/>
+                <a:ext cx="1686600" cy="375840"/>
               </a:xfrm>
               <a:prstGeom prst="rect">
                 <a:avLst/>
@@ -20030,7 +20056,7 @@
             <p:spPr>
               <a:xfrm>
                 <a:off x="7850160" y="4906080"/>
-                <a:ext cx="231480" cy="162360"/>
+                <a:ext cx="230760" cy="161640"/>
               </a:xfrm>
               <a:prstGeom prst="rect">
                 <a:avLst/>
@@ -20053,7 +20079,7 @@
             <p:spPr>
               <a:xfrm>
                 <a:off x="8085600" y="4906080"/>
-                <a:ext cx="231840" cy="162360"/>
+                <a:ext cx="231120" cy="161640"/>
               </a:xfrm>
               <a:prstGeom prst="rect">
                 <a:avLst/>
@@ -20072,7 +20098,7 @@
             <p:spPr>
               <a:xfrm>
                 <a:off x="8318880" y="4906080"/>
-                <a:ext cx="216720" cy="189720"/>
+                <a:ext cx="216000" cy="189000"/>
               </a:xfrm>
               <a:prstGeom prst="rect">
                 <a:avLst/>
@@ -20141,9 +20167,9 @@
           <p:grpSpPr>
             <a:xfrm>
               <a:off x="6526800" y="5391000"/>
-              <a:ext cx="2044800" cy="376920"/>
+              <a:ext cx="2044080" cy="376200"/>
               <a:chOff x="6526800" y="5391000"/>
-              <a:chExt cx="2044800" cy="376920"/>
+              <a:chExt cx="2044080" cy="376200"/>
             </a:xfrm>
           </p:grpSpPr>
           <p:grpSp>
@@ -20155,9 +20181,9 @@
             <p:grpSpPr>
               <a:xfrm>
                 <a:off x="7252560" y="5498640"/>
-                <a:ext cx="1058400" cy="190800"/>
+                <a:ext cx="1057680" cy="190080"/>
                 <a:chOff x="7252560" y="5498640"/>
-                <a:chExt cx="1058400" cy="190800"/>
+                <a:chExt cx="1057680" cy="190080"/>
               </a:xfrm>
             </p:grpSpPr>
             <p:pic>
@@ -20173,7 +20199,7 @@
               <p:spPr>
                 <a:xfrm>
                   <a:off x="7252560" y="5498640"/>
-                  <a:ext cx="221760" cy="162360"/>
+                  <a:ext cx="221040" cy="161640"/>
                 </a:xfrm>
                 <a:prstGeom prst="rect">
                   <a:avLst/>
@@ -20196,7 +20222,7 @@
               <p:spPr>
                 <a:xfrm>
                   <a:off x="7477920" y="5498640"/>
-                  <a:ext cx="222120" cy="162360"/>
+                  <a:ext cx="221400" cy="161640"/>
                 </a:xfrm>
                 <a:prstGeom prst="rect">
                   <a:avLst/>
@@ -20219,7 +20245,7 @@
               <p:spPr>
                 <a:xfrm>
                   <a:off x="7701480" y="5498640"/>
-                  <a:ext cx="208080" cy="190080"/>
+                  <a:ext cx="207360" cy="189360"/>
                 </a:xfrm>
                 <a:prstGeom prst="rect">
                   <a:avLst/>
@@ -20242,7 +20268,7 @@
               <p:spPr>
                 <a:xfrm>
                   <a:off x="7902720" y="5499000"/>
-                  <a:ext cx="207720" cy="190080"/>
+                  <a:ext cx="207000" cy="189360"/>
                 </a:xfrm>
                 <a:prstGeom prst="rect">
                   <a:avLst/>
@@ -20265,7 +20291,7 @@
               <p:spPr>
                 <a:xfrm>
                   <a:off x="8103240" y="5499360"/>
-                  <a:ext cx="207720" cy="190080"/>
+                  <a:ext cx="207000" cy="189360"/>
                 </a:xfrm>
                 <a:prstGeom prst="rect">
                   <a:avLst/>
@@ -20285,7 +20311,7 @@
             <p:spPr>
               <a:xfrm>
                 <a:off x="6526800" y="5391000"/>
-                <a:ext cx="2044800" cy="376920"/>
+                <a:ext cx="2044080" cy="376200"/>
               </a:xfrm>
               <a:prstGeom prst="rect">
                 <a:avLst/>
@@ -20348,7 +20374,7 @@
           <p:spPr>
             <a:xfrm>
               <a:off x="7126200" y="4375440"/>
-              <a:ext cx="576360" cy="358560"/>
+              <a:ext cx="575640" cy="357840"/>
             </a:xfrm>
             <a:prstGeom prst="rect">
               <a:avLst/>
